--- a/projeto/Sistema de monitoramento de vivacidade para recursos humanos.pptx
+++ b/projeto/Sistema de monitoramento de vivacidade para recursos humanos.pptx
@@ -8501,15 +8501,6 @@
 </file>
 
 <file path=customXml/item1.xml><?xml version="1.0" encoding="utf-8"?>
-<?mso-contentType ?>
-<FormTemplates xmlns="http://schemas.microsoft.com/sharepoint/v3/contenttype/forms">
-  <Display>DocumentLibraryForm</Display>
-  <Edit>DocumentLibraryForm</Edit>
-  <New>DocumentLibraryForm</New>
-</FormTemplates>
-</file>
-
-<file path=customXml/item2.xml><?xml version="1.0" encoding="utf-8"?>
 <ct:contentTypeSchema xmlns:ct="http://schemas.microsoft.com/office/2006/metadata/contentType" xmlns:ma="http://schemas.microsoft.com/office/2006/metadata/properties/metaAttributes" ct:_="" ma:_="" ma:contentTypeName="Document" ma:contentTypeID="0x0101005A8F0D360B65A54EBF2731F6F8E9C2E4" ma:contentTypeVersion="6" ma:contentTypeDescription="Create a new document." ma:contentTypeScope="" ma:versionID="e9c8a6c1478ac9639a81b06135d48b82">
   <xsd:schema xmlns:xsd="http://www.w3.org/2001/XMLSchema" xmlns:xs="http://www.w3.org/2001/XMLSchema" xmlns:p="http://schemas.microsoft.com/office/2006/metadata/properties" xmlns:ns3="5c9abaec-6266-4e4f-820b-3b4f899d14da" targetNamespace="http://schemas.microsoft.com/office/2006/metadata/properties" ma:root="true" ma:fieldsID="6e9f782da689439bacc4c5efcd0a0464" ns3:_="">
     <xsd:import namespace="5c9abaec-6266-4e4f-820b-3b4f899d14da"/>
@@ -8665,6 +8656,15 @@
 </ct:contentTypeSchema>
 </file>
 
+<file path=customXml/item2.xml><?xml version="1.0" encoding="utf-8"?>
+<?mso-contentType ?>
+<FormTemplates xmlns="http://schemas.microsoft.com/sharepoint/v3/contenttype/forms">
+  <Display>DocumentLibraryForm</Display>
+  <Edit>DocumentLibraryForm</Edit>
+  <New>DocumentLibraryForm</New>
+</FormTemplates>
+</file>
+
 <file path=customXml/item3.xml><?xml version="1.0" encoding="utf-8"?>
 <p:properties xmlns:p="http://schemas.microsoft.com/office/2006/metadata/properties" xmlns:xsi="http://www.w3.org/2001/XMLSchema-instance" xmlns:pc="http://schemas.microsoft.com/office/infopath/2007/PartnerControls">
   <documentManagement>
@@ -8674,14 +8674,6 @@
 </file>
 
 <file path=customXml/itemProps1.xml><?xml version="1.0" encoding="utf-8"?>
-<ds:datastoreItem xmlns:ds="http://schemas.openxmlformats.org/officeDocument/2006/customXml" ds:itemID="{C79C0CC1-C9F6-4926-BC57-AA93812E38E3}">
-  <ds:schemaRefs>
-    <ds:schemaRef ds:uri="http://schemas.microsoft.com/sharepoint/v3/contenttype/forms"/>
-  </ds:schemaRefs>
-</ds:datastoreItem>
-</file>
-
-<file path=customXml/itemProps2.xml><?xml version="1.0" encoding="utf-8"?>
 <ds:datastoreItem xmlns:ds="http://schemas.openxmlformats.org/officeDocument/2006/customXml" ds:itemID="{BDDF87AC-E318-4599-880C-F3D9A2948391}">
   <ds:schemaRefs>
     <ds:schemaRef ds:uri="http://schemas.microsoft.com/office/2006/metadata/contentType"/>
@@ -8695,6 +8687,14 @@
     <ds:schemaRef ds:uri="http://purl.org/dc/elements/1.1/"/>
     <ds:schemaRef ds:uri="http://purl.org/dc/terms/"/>
     <ds:schemaRef ds:uri="http://schemas.microsoft.com/internal/obd"/>
+  </ds:schemaRefs>
+</ds:datastoreItem>
+</file>
+
+<file path=customXml/itemProps2.xml><?xml version="1.0" encoding="utf-8"?>
+<ds:datastoreItem xmlns:ds="http://schemas.openxmlformats.org/officeDocument/2006/customXml" ds:itemID="{C79C0CC1-C9F6-4926-BC57-AA93812E38E3}">
+  <ds:schemaRefs>
+    <ds:schemaRef ds:uri="http://schemas.microsoft.com/sharepoint/v3/contenttype/forms"/>
   </ds:schemaRefs>
 </ds:datastoreItem>
 </file>
